--- a/Batch-12 Online/Self Pace/Curriculum/Lectures/Section 8/Create a KeyPair.pptx
+++ b/Batch-12 Online/Self Pace/Curriculum/Lectures/Section 8/Create a KeyPair.pptx
@@ -297,7 +297,7 @@
           <a:p>
             <a:fld id="{AC104024-21A3-4359-A89B-CEDB2AC7546A}" type="datetimeFigureOut">
               <a:rPr lang="en-US" smtClean="0"/>
-              <a:t>9/13/2023</a:t>
+              <a:t>2/14/2024</a:t>
             </a:fld>
             <a:endParaRPr lang="en-US"/>
           </a:p>
@@ -461,7 +461,7 @@
           <a:p>
             <a:fld id="{AC104024-21A3-4359-A89B-CEDB2AC7546A}" type="datetimeFigureOut">
               <a:rPr lang="en-US" smtClean="0"/>
-              <a:t>9/13/2023</a:t>
+              <a:t>2/14/2024</a:t>
             </a:fld>
             <a:endParaRPr lang="en-US"/>
           </a:p>
@@ -635,7 +635,7 @@
           <a:p>
             <a:fld id="{AC104024-21A3-4359-A89B-CEDB2AC7546A}" type="datetimeFigureOut">
               <a:rPr lang="en-US" smtClean="0"/>
-              <a:t>9/13/2023</a:t>
+              <a:t>2/14/2024</a:t>
             </a:fld>
             <a:endParaRPr lang="en-US"/>
           </a:p>
@@ -799,7 +799,7 @@
           <a:p>
             <a:fld id="{AC104024-21A3-4359-A89B-CEDB2AC7546A}" type="datetimeFigureOut">
               <a:rPr lang="en-US" smtClean="0"/>
-              <a:t>9/13/2023</a:t>
+              <a:t>2/14/2024</a:t>
             </a:fld>
             <a:endParaRPr lang="en-US"/>
           </a:p>
@@ -1040,7 +1040,7 @@
           <a:p>
             <a:fld id="{AC104024-21A3-4359-A89B-CEDB2AC7546A}" type="datetimeFigureOut">
               <a:rPr lang="en-US" smtClean="0"/>
-              <a:t>9/13/2023</a:t>
+              <a:t>2/14/2024</a:t>
             </a:fld>
             <a:endParaRPr lang="en-US"/>
           </a:p>
@@ -1303,7 +1303,7 @@
           <a:p>
             <a:fld id="{AC104024-21A3-4359-A89B-CEDB2AC7546A}" type="datetimeFigureOut">
               <a:rPr lang="en-US" smtClean="0"/>
-              <a:t>9/13/2023</a:t>
+              <a:t>2/14/2024</a:t>
             </a:fld>
             <a:endParaRPr lang="en-US"/>
           </a:p>
@@ -1680,7 +1680,7 @@
           <a:p>
             <a:fld id="{AC104024-21A3-4359-A89B-CEDB2AC7546A}" type="datetimeFigureOut">
               <a:rPr lang="en-US" smtClean="0"/>
-              <a:t>9/13/2023</a:t>
+              <a:t>2/14/2024</a:t>
             </a:fld>
             <a:endParaRPr lang="en-US"/>
           </a:p>
@@ -1829,7 +1829,7 @@
           <a:p>
             <a:fld id="{AC104024-21A3-4359-A89B-CEDB2AC7546A}" type="datetimeFigureOut">
               <a:rPr lang="en-US" smtClean="0"/>
-              <a:t>9/13/2023</a:t>
+              <a:t>2/14/2024</a:t>
             </a:fld>
             <a:endParaRPr lang="en-US"/>
           </a:p>
@@ -1919,7 +1919,7 @@
           <a:p>
             <a:fld id="{AC104024-21A3-4359-A89B-CEDB2AC7546A}" type="datetimeFigureOut">
               <a:rPr lang="en-US" smtClean="0"/>
-              <a:t>9/13/2023</a:t>
+              <a:t>2/14/2024</a:t>
             </a:fld>
             <a:endParaRPr lang="en-US"/>
           </a:p>
@@ -2179,7 +2179,7 @@
           <a:p>
             <a:fld id="{AC104024-21A3-4359-A89B-CEDB2AC7546A}" type="datetimeFigureOut">
               <a:rPr lang="en-US" smtClean="0"/>
-              <a:t>9/13/2023</a:t>
+              <a:t>2/14/2024</a:t>
             </a:fld>
             <a:endParaRPr lang="en-US"/>
           </a:p>
@@ -2466,7 +2466,7 @@
           <a:p>
             <a:fld id="{AC104024-21A3-4359-A89B-CEDB2AC7546A}" type="datetimeFigureOut">
               <a:rPr lang="en-US" smtClean="0"/>
-              <a:t>9/13/2023</a:t>
+              <a:t>2/14/2024</a:t>
             </a:fld>
             <a:endParaRPr lang="en-US"/>
           </a:p>
@@ -3235,7 +3235,7 @@
           <a:p>
             <a:fld id="{AC104024-21A3-4359-A89B-CEDB2AC7546A}" type="datetimeFigureOut">
               <a:rPr lang="en-US" smtClean="0"/>
-              <a:t>9/13/2023</a:t>
+              <a:t>2/14/2024</a:t>
             </a:fld>
             <a:endParaRPr lang="en-US"/>
           </a:p>
@@ -4425,8 +4425,8 @@
         </p:nvSpPr>
         <p:spPr>
           <a:xfrm>
-            <a:off x="304800" y="3886200"/>
-            <a:ext cx="8382000" cy="1815882"/>
+            <a:off x="304800" y="4410242"/>
+            <a:ext cx="8686800" cy="1200329"/>
           </a:xfrm>
           <a:prstGeom prst="rect">
             <a:avLst/>
@@ -4448,18 +4448,14 @@
             </a:r>
           </a:p>
           <a:p>
-            <a:pPr marL="171450" indent="-171450">
-              <a:buFont typeface="Arial" panose="020B0604020202020204" pitchFamily="34" charset="0"/>
-              <a:buChar char="•"/>
-            </a:pPr>
-            <a:endParaRPr lang="en-US" sz="300" dirty="0"/>
-          </a:p>
-          <a:p>
             <a:pPr marL="285750" indent="-285750">
               <a:buFont typeface="Arial" panose="020B0604020202020204" pitchFamily="34" charset="0"/>
               <a:buChar char="•"/>
             </a:pPr>
-            <a:endParaRPr lang="en-US" dirty="0"/>
+            <a:r>
+              <a:rPr lang="en-US" dirty="0"/>
+              <a:t>Please verify your keypair exist locally. </a:t>
+            </a:r>
           </a:p>
           <a:p>
             <a:pPr marL="285750" indent="-285750">
@@ -4468,31 +4464,7 @@
             </a:pPr>
             <a:r>
               <a:rPr lang="en-US" dirty="0"/>
-              <a:t>Please verify your keypair exist locally. </a:t>
-            </a:r>
-          </a:p>
-          <a:p>
-            <a:pPr marL="285750" indent="-285750">
-              <a:buFont typeface="Arial" panose="020B0604020202020204" pitchFamily="34" charset="0"/>
-              <a:buChar char="•"/>
-            </a:pPr>
-            <a:endParaRPr lang="en-US" dirty="0"/>
-          </a:p>
-          <a:p>
-            <a:pPr marL="285750" indent="-285750">
-              <a:buFont typeface="Arial" panose="020B0604020202020204" pitchFamily="34" charset="0"/>
-              <a:buChar char="•"/>
-            </a:pPr>
-            <a:endParaRPr lang="en-US" dirty="0"/>
-          </a:p>
-          <a:p>
-            <a:pPr marL="285750" indent="-285750">
-              <a:buFont typeface="Arial" panose="020B0604020202020204" pitchFamily="34" charset="0"/>
-              <a:buChar char="•"/>
-            </a:pPr>
-            <a:r>
-              <a:rPr lang="en-US" dirty="0"/>
-              <a:t>This is the first and last time you are going to save this file. </a:t>
+              <a:t>This is the only time you will save this key file, so save it somewhere and not it down. </a:t>
             </a:r>
           </a:p>
         </p:txBody>
